--- a/docs/shareDoc/第一章-机器学习入门.pptx
+++ b/docs/shareDoc/第一章-机器学习入门.pptx
@@ -104,6 +104,11 @@
       </a:defRPr>
     </a:lvl9pPr>
   </p:defaultTextStyle>
+  <p:extLst>
+    <p:ext uri="{EFAFB233-063F-42B5-8137-9DF3F51BA10A}">
+      <p15:sldGuideLst xmlns:p15="http://schemas.microsoft.com/office/powerpoint/2012/main"/>
+    </p:ext>
+  </p:extLst>
 </p:presentation>
 </file>
 
@@ -299,7 +304,7 @@
             <a:fld id="{B61BEF0D-F0BB-DE4B-95CE-6DB70DBA9567}" type="datetimeFigureOut">
               <a:rPr lang="en-US" dirty="0"/>
               <a:pPr/>
-              <a:t>10/15/2018</a:t>
+              <a:t>11/13/2018</a:t>
             </a:fld>
             <a:endParaRPr lang="en-US" dirty="0"/>
           </a:p>
@@ -732,7 +737,7 @@
             <a:fld id="{B61BEF0D-F0BB-DE4B-95CE-6DB70DBA9567}" type="datetimeFigureOut">
               <a:rPr lang="en-US" dirty="0"/>
               <a:pPr/>
-              <a:t>10/15/2018</a:t>
+              <a:t>11/13/2018</a:t>
             </a:fld>
             <a:endParaRPr lang="en-US" dirty="0"/>
           </a:p>
@@ -979,7 +984,7 @@
             <a:fld id="{B61BEF0D-F0BB-DE4B-95CE-6DB70DBA9567}" type="datetimeFigureOut">
               <a:rPr lang="en-US" dirty="0"/>
               <a:pPr/>
-              <a:t>10/15/2018</a:t>
+              <a:t>11/13/2018</a:t>
             </a:fld>
             <a:endParaRPr lang="en-US" dirty="0"/>
           </a:p>
@@ -1284,7 +1289,7 @@
             <a:fld id="{B61BEF0D-F0BB-DE4B-95CE-6DB70DBA9567}" type="datetimeFigureOut">
               <a:rPr lang="en-US" dirty="0"/>
               <a:pPr/>
-              <a:t>10/15/2018</a:t>
+              <a:t>11/13/2018</a:t>
             </a:fld>
             <a:endParaRPr lang="en-US" dirty="0"/>
           </a:p>
@@ -1599,7 +1604,7 @@
             <a:fld id="{B61BEF0D-F0BB-DE4B-95CE-6DB70DBA9567}" type="datetimeFigureOut">
               <a:rPr lang="en-US" dirty="0"/>
               <a:pPr/>
-              <a:t>10/15/2018</a:t>
+              <a:t>11/13/2018</a:t>
             </a:fld>
             <a:endParaRPr lang="en-US" dirty="0"/>
           </a:p>
@@ -1898,7 +1903,7 @@
             <a:fld id="{B61BEF0D-F0BB-DE4B-95CE-6DB70DBA9567}" type="datetimeFigureOut">
               <a:rPr lang="en-US" dirty="0"/>
               <a:pPr/>
-              <a:t>10/15/2018</a:t>
+              <a:t>11/13/2018</a:t>
             </a:fld>
             <a:endParaRPr lang="en-US" dirty="0"/>
           </a:p>
@@ -2262,7 +2267,7 @@
             <a:fld id="{B61BEF0D-F0BB-DE4B-95CE-6DB70DBA9567}" type="datetimeFigureOut">
               <a:rPr lang="en-US" dirty="0"/>
               <a:pPr/>
-              <a:t>10/15/2018</a:t>
+              <a:t>11/13/2018</a:t>
             </a:fld>
             <a:endParaRPr lang="en-US" dirty="0"/>
           </a:p>
@@ -2433,7 +2438,7 @@
             <a:fld id="{B61BEF0D-F0BB-DE4B-95CE-6DB70DBA9567}" type="datetimeFigureOut">
               <a:rPr lang="en-US" dirty="0"/>
               <a:pPr/>
-              <a:t>10/15/2018</a:t>
+              <a:t>11/13/2018</a:t>
             </a:fld>
             <a:endParaRPr lang="en-US" dirty="0"/>
           </a:p>
@@ -2610,7 +2615,7 @@
             <a:fld id="{B61BEF0D-F0BB-DE4B-95CE-6DB70DBA9567}" type="datetimeFigureOut">
               <a:rPr lang="en-US" dirty="0"/>
               <a:pPr/>
-              <a:t>10/15/2018</a:t>
+              <a:t>11/13/2018</a:t>
             </a:fld>
             <a:endParaRPr lang="en-US" dirty="0"/>
           </a:p>
@@ -2777,7 +2782,7 @@
             <a:fld id="{B61BEF0D-F0BB-DE4B-95CE-6DB70DBA9567}" type="datetimeFigureOut">
               <a:rPr lang="en-US" dirty="0"/>
               <a:pPr/>
-              <a:t>10/15/2018</a:t>
+              <a:t>11/13/2018</a:t>
             </a:fld>
             <a:endParaRPr lang="en-US" dirty="0"/>
           </a:p>
@@ -3024,7 +3029,7 @@
             <a:fld id="{B61BEF0D-F0BB-DE4B-95CE-6DB70DBA9567}" type="datetimeFigureOut">
               <a:rPr lang="en-US" dirty="0"/>
               <a:pPr/>
-              <a:t>10/15/2018</a:t>
+              <a:t>11/13/2018</a:t>
             </a:fld>
             <a:endParaRPr lang="en-US" dirty="0"/>
           </a:p>
@@ -3257,7 +3262,7 @@
             <a:fld id="{B61BEF0D-F0BB-DE4B-95CE-6DB70DBA9567}" type="datetimeFigureOut">
               <a:rPr lang="en-US" dirty="0"/>
               <a:pPr/>
-              <a:t>10/15/2018</a:t>
+              <a:t>11/13/2018</a:t>
             </a:fld>
             <a:endParaRPr lang="en-US" dirty="0"/>
           </a:p>
@@ -3636,7 +3641,7 @@
             <a:fld id="{B61BEF0D-F0BB-DE4B-95CE-6DB70DBA9567}" type="datetimeFigureOut">
               <a:rPr lang="en-US" dirty="0"/>
               <a:pPr/>
-              <a:t>10/15/2018</a:t>
+              <a:t>11/13/2018</a:t>
             </a:fld>
             <a:endParaRPr lang="en-US" dirty="0"/>
           </a:p>
@@ -3751,7 +3756,7 @@
             <a:fld id="{B61BEF0D-F0BB-DE4B-95CE-6DB70DBA9567}" type="datetimeFigureOut">
               <a:rPr lang="en-US" dirty="0"/>
               <a:pPr/>
-              <a:t>10/15/2018</a:t>
+              <a:t>11/13/2018</a:t>
             </a:fld>
             <a:endParaRPr lang="en-US" dirty="0"/>
           </a:p>
@@ -3843,7 +3848,7 @@
             <a:fld id="{B61BEF0D-F0BB-DE4B-95CE-6DB70DBA9567}" type="datetimeFigureOut">
               <a:rPr lang="en-US" dirty="0"/>
               <a:pPr/>
-              <a:t>10/15/2018</a:t>
+              <a:t>11/13/2018</a:t>
             </a:fld>
             <a:endParaRPr lang="en-US" dirty="0"/>
           </a:p>
@@ -4095,7 +4100,7 @@
             <a:fld id="{B61BEF0D-F0BB-DE4B-95CE-6DB70DBA9567}" type="datetimeFigureOut">
               <a:rPr lang="en-US" dirty="0"/>
               <a:pPr/>
-              <a:t>10/15/2018</a:t>
+              <a:t>11/13/2018</a:t>
             </a:fld>
             <a:endParaRPr lang="en-US" dirty="0"/>
           </a:p>
@@ -4375,7 +4380,7 @@
             <a:fld id="{B61BEF0D-F0BB-DE4B-95CE-6DB70DBA9567}" type="datetimeFigureOut">
               <a:rPr lang="en-US" dirty="0"/>
               <a:pPr/>
-              <a:t>10/15/2018</a:t>
+              <a:t>11/13/2018</a:t>
             </a:fld>
             <a:endParaRPr lang="en-US" dirty="0"/>
           </a:p>
@@ -4778,7 +4783,7 @@
             <a:fld id="{B61BEF0D-F0BB-DE4B-95CE-6DB70DBA9567}" type="datetimeFigureOut">
               <a:rPr lang="en-US" dirty="0"/>
               <a:pPr/>
-              <a:t>10/15/2018</a:t>
+              <a:t>11/13/2018</a:t>
             </a:fld>
             <a:endParaRPr lang="en-US" dirty="0"/>
           </a:p>
@@ -5331,37 +5336,18 @@
           <a:lstStyle/>
           <a:p>
             <a:r>
-              <a:rPr lang="zh-CN" altLang="en-US" dirty="0"/>
-              <a:t>机器学习入门</a:t>
-            </a:r>
-          </a:p>
-        </p:txBody>
-      </p:sp>
-      <p:sp>
-        <p:nvSpPr>
-          <p:cNvPr id="3" name="副标题 2">
-            <a:extLst>
-              <a:ext uri="{FF2B5EF4-FFF2-40B4-BE49-F238E27FC236}">
-                <a16:creationId xmlns:a16="http://schemas.microsoft.com/office/drawing/2014/main" id="{60A9881A-E60A-459C-BB28-DD04E79B0142}"/>
-              </a:ext>
-            </a:extLst>
-          </p:cNvPr>
-          <p:cNvSpPr>
-            <a:spLocks noGrp="1"/>
-          </p:cNvSpPr>
-          <p:nvPr>
-            <p:ph type="subTitle" idx="1"/>
-          </p:nvPr>
-        </p:nvSpPr>
-        <p:spPr/>
-        <p:txBody>
-          <a:bodyPr/>
-          <a:lstStyle/>
-          <a:p>
-            <a:r>
-              <a:rPr lang="zh-CN" altLang="en-US" dirty="0"/>
-              <a:t>什么是机器学习</a:t>
-            </a:r>
+              <a:rPr lang="zh-CN" altLang="en-US" b="1" dirty="0"/>
+              <a:t>机器学习入门 </a:t>
+            </a:r>
+            <a:r>
+              <a:rPr lang="en-US" altLang="zh-CN" b="1" dirty="0"/>
+              <a:t>-</a:t>
+            </a:r>
+            <a:r>
+              <a:rPr lang="en-US" altLang="zh-CN" sz="1800" b="1" dirty="0" err="1"/>
+              <a:t>colinzhang</a:t>
+            </a:r>
+            <a:endParaRPr lang="zh-CN" altLang="en-US" sz="1800" b="1" dirty="0"/>
           </a:p>
         </p:txBody>
       </p:sp>
